--- a/2018-9-26/[讲义]GIT&NODE基础知识.pptx
+++ b/2018-9-26/[讲义]GIT&NODE基础知识.pptx
@@ -3651,23 +3651,7 @@
                 <a:ea typeface="楷体" panose="02010609060101010101" charset="-122"/>
                 <a:sym typeface="+mn-ea"/>
               </a:rPr>
-              <a:t> </a:t>
-            </a:r>
-            <a:r>
-              <a:rPr lang="en-US" altLang="zh-CN" sz="2000">
-                <a:latin typeface="楷体" panose="02010609060101010101" charset="-122"/>
-                <a:ea typeface="楷体" panose="02010609060101010101" charset="-122"/>
-                <a:sym typeface="+mn-ea"/>
-              </a:rPr>
-              <a:t>$ git commit </a:t>
-            </a:r>
-            <a:r>
-              <a:rPr lang="en-US" altLang="zh-CN" sz="2000">
-                <a:latin typeface="楷体" panose="02010609060101010101" charset="-122"/>
-                <a:ea typeface="楷体" panose="02010609060101010101" charset="-122"/>
-                <a:sym typeface="+mn-ea"/>
-              </a:rPr>
-              <a:t>提交到历史区</a:t>
+              <a:t> $ git commit 提交到历史区</a:t>
             </a:r>
             <a:endParaRPr lang="en-US" altLang="zh-CN" sz="2000">
               <a:latin typeface="楷体" panose="02010609060101010101" charset="-122"/>
@@ -3707,15 +3691,7 @@
                 <a:ea typeface="楷体" panose="02010609060101010101" charset="-122"/>
                 <a:sym typeface="+mn-ea"/>
               </a:rPr>
-              <a:t>        </a:t>
-            </a:r>
-            <a:r>
-              <a:rPr lang="en-US" altLang="zh-CN" sz="2000">
-                <a:latin typeface="楷体" panose="02010609060101010101" charset="-122"/>
-                <a:ea typeface="楷体" panose="02010609060101010101" charset="-122"/>
-                <a:sym typeface="+mn-ea"/>
-              </a:rPr>
-              <a:t>$ git log  查看提交记录</a:t>
+              <a:t>        $ git log  查看提交记录</a:t>
             </a:r>
             <a:endParaRPr lang="en-US" altLang="zh-CN" sz="2000">
               <a:latin typeface="楷体" panose="02010609060101010101" charset="-122"/>
@@ -4014,14 +3990,7 @@
                 <a:latin typeface="楷体" panose="02010609060101010101" charset="-122"/>
                 <a:ea typeface="楷体" panose="02010609060101010101" charset="-122"/>
               </a:rPr>
-              <a:t>8</a:t>
-            </a:r>
-            <a:r>
-              <a:rPr lang="en-US" altLang="zh-CN" sz="2000" b="1">
-                <a:latin typeface="楷体" panose="02010609060101010101" charset="-122"/>
-                <a:ea typeface="楷体" panose="02010609060101010101" charset="-122"/>
-              </a:rPr>
-              <a:t>.</a:t>
+              <a:t>8.</a:t>
             </a:r>
             <a:r>
               <a:rPr lang="en-US" altLang="zh-CN" sz="2000" b="1">
@@ -4057,15 +4026,7 @@
                 <a:ea typeface="楷体" panose="02010609060101010101" charset="-122"/>
                 <a:sym typeface="+mn-ea"/>
               </a:rPr>
-              <a:t> </a:t>
-            </a:r>
-            <a:r>
-              <a:rPr lang="en-US" altLang="zh-CN" sz="2000">
-                <a:latin typeface="楷体" panose="02010609060101010101" charset="-122"/>
-                <a:ea typeface="楷体" panose="02010609060101010101" charset="-122"/>
-                <a:sym typeface="+mn-ea"/>
-              </a:rPr>
-              <a:t>$ git diff  工作区VS暂存区</a:t>
+              <a:t> $ git diff  工作区VS暂存区</a:t>
             </a:r>
             <a:endParaRPr lang="en-US" altLang="zh-CN" sz="2000">
               <a:latin typeface="楷体" panose="02010609060101010101" charset="-122"/>
@@ -4928,14 +4889,7 @@
                 <a:latin typeface="楷体" panose="02010609060101010101" charset="-122"/>
                 <a:ea typeface="楷体" panose="02010609060101010101" charset="-122"/>
               </a:rPr>
-              <a:t>进行第三方模块管理</a:t>
-            </a:r>
-            <a:r>
-              <a:rPr lang="zh-CN" altLang="en-US" sz="2000" b="1">
-                <a:latin typeface="楷体" panose="02010609060101010101" charset="-122"/>
-                <a:ea typeface="楷体" panose="02010609060101010101" charset="-122"/>
-              </a:rPr>
-              <a:t> </a:t>
+              <a:t>进行第三方模块管理 </a:t>
             </a:r>
             <a:endParaRPr lang="zh-CN" altLang="en-US" sz="2000" b="1">
               <a:latin typeface="楷体" panose="02010609060101010101" charset="-122"/>
@@ -5165,15 +5119,7 @@
                 <a:ea typeface="楷体" panose="02010609060101010101" charset="-122"/>
                 <a:sym typeface="+mn-ea"/>
               </a:rPr>
-              <a:t>      B：</a:t>
-            </a:r>
-            <a:r>
-              <a:rPr lang="en-US" altLang="zh-CN" sz="2000">
-                <a:latin typeface="楷体" panose="02010609060101010101" charset="-122"/>
-                <a:ea typeface="楷体" panose="02010609060101010101" charset="-122"/>
-                <a:sym typeface="+mn-ea"/>
-              </a:rPr>
-              <a:t>yarn add / yarn remove </a:t>
+              <a:t>      B：yarn add / yarn remove </a:t>
             </a:r>
             <a:endParaRPr lang="zh-CN" altLang="en-US" sz="2000">
               <a:latin typeface="仿宋" panose="02010609060101010101" charset="-122"/>
@@ -5470,14 +5416,7 @@
                 <a:latin typeface="楷体" panose="02010609060101010101" charset="-122"/>
                 <a:ea typeface="楷体" panose="02010609060101010101" charset="-122"/>
               </a:rPr>
-              <a:t>https://github.com/</a:t>
-            </a:r>
-            <a:r>
-              <a:rPr lang="zh-CN" altLang="en-US" sz="2000" b="1">
-                <a:latin typeface="楷体" panose="02010609060101010101" charset="-122"/>
-                <a:ea typeface="楷体" panose="02010609060101010101" charset="-122"/>
-              </a:rPr>
-              <a:t> </a:t>
+              <a:t>https://github.com/ </a:t>
             </a:r>
             <a:endParaRPr lang="zh-CN" altLang="en-US" sz="2000" b="1">
               <a:latin typeface="楷体" panose="02010609060101010101" charset="-122"/>
@@ -7545,15 +7484,7 @@
                 <a:ea typeface="楷体" panose="02010609060101010101" charset="-122"/>
                 <a:sym typeface="+mn-ea"/>
               </a:rPr>
-              <a:t> </a:t>
-            </a:r>
-            <a:r>
-              <a:rPr lang="en-US" altLang="zh-CN" sz="2000">
-                <a:latin typeface="楷体" panose="02010609060101010101" charset="-122"/>
-                <a:ea typeface="楷体" panose="02010609060101010101" charset="-122"/>
-                <a:sym typeface="+mn-ea"/>
-              </a:rPr>
-              <a:t> $ git add xxx  把指定的文件提交到暂存区</a:t>
+              <a:t>  $ git add xxx  把指定的文件提交到暂存区</a:t>
             </a:r>
             <a:endParaRPr lang="en-US" altLang="zh-CN" sz="2000">
               <a:latin typeface="楷体" panose="02010609060101010101" charset="-122"/>
